--- a/Coss/Data/Coss.pptx
+++ b/Coss/Data/Coss.pptx
@@ -111,6 +111,11 @@
       </a:defRPr>
     </a:lvl9pPr>
   </p:defaultTextStyle>
+  <p:extLst>
+    <p:ext uri="{EFAFB233-063F-42B5-8137-9DF3F51BA10A}">
+      <p15:sldGuideLst xmlns:p15="http://schemas.microsoft.com/office/powerpoint/2012/main"/>
+    </p:ext>
+  </p:extLst>
 </p:presentation>
 </file>
 
@@ -3388,8 +3393,8 @@
           </a:prstGeom>
         </p:spPr>
       </p:pic>
-      <mc:AlternateContent xmlns:mc="http://schemas.openxmlformats.org/markup-compatibility/2006">
-        <mc:Choice xmlns:a14="http://schemas.microsoft.com/office/drawing/2010/main" Requires="a14">
+      <mc:AlternateContent xmlns:mc="http://schemas.openxmlformats.org/markup-compatibility/2006" xmlns:a14="http://schemas.microsoft.com/office/drawing/2010/main">
+        <mc:Choice Requires="a14">
           <p:sp>
             <p:nvSpPr>
               <p:cNvPr id="7" name="Rectangle 6">
@@ -3417,6 +3422,7 @@
               </a:bodyPr>
               <a:lstStyle/>
               <a:p>
+                <a:pPr/>
                 <a14:m>
                   <m:oMathPara xmlns:m="http://schemas.openxmlformats.org/officeDocument/2006/math">
                     <m:oMathParaPr>
@@ -3594,7 +3600,7 @@
             </p:txBody>
           </p:sp>
         </mc:Choice>
-        <mc:Fallback>
+        <mc:Fallback xmlns="">
           <p:sp>
             <p:nvSpPr>
               <p:cNvPr id="7" name="Rectangle 6">
@@ -3737,8 +3743,8 @@
           </a:fontRef>
         </p:style>
       </p:cxnSp>
-      <mc:AlternateContent xmlns:mc="http://schemas.openxmlformats.org/markup-compatibility/2006">
-        <mc:Choice xmlns:a14="http://schemas.microsoft.com/office/drawing/2010/main" Requires="a14">
+      <mc:AlternateContent xmlns:mc="http://schemas.openxmlformats.org/markup-compatibility/2006" xmlns:a14="http://schemas.microsoft.com/office/drawing/2010/main">
+        <mc:Choice Requires="a14">
           <p:sp>
             <p:nvSpPr>
               <p:cNvPr id="15" name="TextBox 14">
@@ -3807,7 +3813,7 @@
             </p:txBody>
           </p:sp>
         </mc:Choice>
-        <mc:Fallback>
+        <mc:Fallback xmlns="">
           <p:sp>
             <p:nvSpPr>
               <p:cNvPr id="15" name="TextBox 14">
@@ -3852,8 +3858,8 @@
           </p:sp>
         </mc:Fallback>
       </mc:AlternateContent>
-      <mc:AlternateContent xmlns:mc="http://schemas.openxmlformats.org/markup-compatibility/2006">
-        <mc:Choice xmlns:a14="http://schemas.microsoft.com/office/drawing/2010/main" Requires="a14">
+      <mc:AlternateContent xmlns:mc="http://schemas.openxmlformats.org/markup-compatibility/2006" xmlns:a14="http://schemas.microsoft.com/office/drawing/2010/main">
+        <mc:Choice Requires="a14">
           <p:sp>
             <p:nvSpPr>
               <p:cNvPr id="16" name="TextBox 15">
@@ -3892,6 +3898,7 @@
                 </a:r>
               </a:p>
               <a:p>
+                <a:pPr/>
                 <a14:m>
                   <m:oMathPara xmlns:m="http://schemas.openxmlformats.org/officeDocument/2006/math">
                     <m:oMathParaPr>
@@ -3950,7 +3957,7 @@
             </p:txBody>
           </p:sp>
         </mc:Choice>
-        <mc:Fallback>
+        <mc:Fallback xmlns="">
           <p:sp>
             <p:nvSpPr>
               <p:cNvPr id="16" name="TextBox 15">
@@ -3995,8 +4002,8 @@
           </p:sp>
         </mc:Fallback>
       </mc:AlternateContent>
-      <mc:AlternateContent xmlns:mc="http://schemas.openxmlformats.org/markup-compatibility/2006">
-        <mc:Choice xmlns:a14="http://schemas.microsoft.com/office/drawing/2010/main" Requires="a14">
+      <mc:AlternateContent xmlns:mc="http://schemas.openxmlformats.org/markup-compatibility/2006" xmlns:a14="http://schemas.microsoft.com/office/drawing/2010/main">
+        <mc:Choice Requires="a14">
           <p:sp>
             <p:nvSpPr>
               <p:cNvPr id="19" name="Rectangle 18">
@@ -4024,6 +4031,7 @@
               </a:bodyPr>
               <a:lstStyle/>
               <a:p>
+                <a:pPr/>
                 <a14:m>
                   <m:oMathPara xmlns:m="http://schemas.openxmlformats.org/officeDocument/2006/math">
                     <m:oMathParaPr>
@@ -4137,7 +4145,7 @@
             </p:txBody>
           </p:sp>
         </mc:Choice>
-        <mc:Fallback>
+        <mc:Fallback xmlns="">
           <p:sp>
             <p:nvSpPr>
               <p:cNvPr id="19" name="Rectangle 18">
@@ -4198,7 +4206,7 @@
             </p:nvSpPr>
             <p:spPr>
               <a:xfrm>
-                <a:off x="7395208" y="2151336"/>
+                <a:off x="7530622" y="2141414"/>
                 <a:ext cx="2425728" cy="369332"/>
               </a:xfrm>
               <a:prstGeom prst="rect">
@@ -4211,6 +4219,7 @@
               </a:bodyPr>
               <a:lstStyle/>
               <a:p>
+                <a:pPr/>
                 <a14:m>
                   <m:oMathPara xmlns:m="http://schemas.openxmlformats.org/officeDocument/2006/math">
                     <m:oMathParaPr>
@@ -4372,7 +4381,7 @@
             </p:nvSpPr>
             <p:spPr>
               <a:xfrm>
-                <a:off x="7395208" y="2151336"/>
+                <a:off x="7530622" y="2141414"/>
                 <a:ext cx="2425728" cy="369332"/>
               </a:xfrm>
               <a:prstGeom prst="rect">
@@ -4416,7 +4425,7 @@
             </p:nvSpPr>
             <p:spPr>
               <a:xfrm>
-                <a:off x="7813771" y="2688217"/>
+                <a:off x="7793451" y="2688217"/>
                 <a:ext cx="1900071" cy="961097"/>
               </a:xfrm>
               <a:prstGeom prst="rect">
@@ -4429,6 +4438,7 @@
               </a:bodyPr>
               <a:lstStyle/>
               <a:p>
+                <a:pPr/>
                 <a14:m>
                   <m:oMathPara xmlns:m="http://schemas.openxmlformats.org/officeDocument/2006/math">
                     <m:oMathParaPr>
@@ -4617,7 +4627,7 @@
             </p:nvSpPr>
             <p:spPr>
               <a:xfrm>
-                <a:off x="7813771" y="2688217"/>
+                <a:off x="7793451" y="2688217"/>
                 <a:ext cx="1900071" cy="961097"/>
               </a:xfrm>
               <a:prstGeom prst="rect">
@@ -4645,8 +4655,8 @@
           </p:sp>
         </mc:Fallback>
       </mc:AlternateContent>
-      <mc:AlternateContent xmlns:mc="http://schemas.openxmlformats.org/markup-compatibility/2006">
-        <mc:Choice xmlns:a14="http://schemas.microsoft.com/office/drawing/2010/main" Requires="a14">
+      <mc:AlternateContent xmlns:mc="http://schemas.openxmlformats.org/markup-compatibility/2006" xmlns:a14="http://schemas.microsoft.com/office/drawing/2010/main">
+        <mc:Choice Requires="a14">
           <p:sp>
             <p:nvSpPr>
               <p:cNvPr id="22" name="Rectangle 21">
@@ -4674,6 +4684,7 @@
               </a:bodyPr>
               <a:lstStyle/>
               <a:p>
+                <a:pPr/>
                 <a14:m>
                   <m:oMathPara xmlns:m="http://schemas.openxmlformats.org/officeDocument/2006/math">
                     <m:oMathParaPr>
@@ -4940,7 +4951,7 @@
             </p:txBody>
           </p:sp>
         </mc:Choice>
-        <mc:Fallback>
+        <mc:Fallback xmlns="">
           <p:sp>
             <p:nvSpPr>
               <p:cNvPr id="22" name="Rectangle 21">
@@ -4985,8 +4996,8 @@
           </p:sp>
         </mc:Fallback>
       </mc:AlternateContent>
-      <mc:AlternateContent xmlns:mc="http://schemas.openxmlformats.org/markup-compatibility/2006">
-        <mc:Choice xmlns:a14="http://schemas.microsoft.com/office/drawing/2010/main" Requires="a14">
+      <mc:AlternateContent xmlns:mc="http://schemas.openxmlformats.org/markup-compatibility/2006" xmlns:a14="http://schemas.microsoft.com/office/drawing/2010/main">
+        <mc:Choice Requires="a14">
           <p:sp>
             <p:nvSpPr>
               <p:cNvPr id="23" name="Rectangle 22">
@@ -5014,6 +5025,7 @@
               </a:bodyPr>
               <a:lstStyle/>
               <a:p>
+                <a:pPr/>
                 <a14:m>
                   <m:oMathPara xmlns:m="http://schemas.openxmlformats.org/officeDocument/2006/math">
                     <m:oMathParaPr>
@@ -5348,7 +5360,7 @@
             </p:txBody>
           </p:sp>
         </mc:Choice>
-        <mc:Fallback>
+        <mc:Fallback xmlns="">
           <p:sp>
             <p:nvSpPr>
               <p:cNvPr id="23" name="Rectangle 22">
